--- a/JS/01. Variables, functions, if else/JS_01.pptx
+++ b/JS/01. Variables, functions, if else/JS_01.pptx
@@ -11,6 +11,8 @@
     <p:sldId id="260" r:id="rId5"/>
     <p:sldId id="261" r:id="rId6"/>
     <p:sldId id="262" r:id="rId7"/>
+    <p:sldId id="263" r:id="rId8"/>
+    <p:sldId id="264" r:id="rId9"/>
   </p:sldIdLst>
   <p:sldSz cx="12192000" cy="6858000"/>
   <p:notesSz cx="6858000" cy="9144000"/>
@@ -109,6 +111,11 @@
       </a:defRPr>
     </a:lvl9pPr>
   </p:defaultTextStyle>
+  <p:extLst>
+    <p:ext uri="{EFAFB233-063F-42B5-8137-9DF3F51BA10A}">
+      <p15:sldGuideLst xmlns:p15="http://schemas.microsoft.com/office/powerpoint/2012/main"/>
+    </p:ext>
+  </p:extLst>
 </p:presentation>
 </file>
 
@@ -6514,6 +6521,228 @@
 </p:sld>
 </file>
 
+<file path=ppt/slides/slide7.xml><?xml version="1.0" encoding="utf-8"?>
+<p:sld xmlns:a="http://schemas.openxmlformats.org/drawingml/2006/main" xmlns:r="http://schemas.openxmlformats.org/officeDocument/2006/relationships" xmlns:p="http://schemas.openxmlformats.org/presentationml/2006/main">
+  <p:cSld>
+    <p:spTree>
+      <p:nvGrpSpPr>
+        <p:cNvPr id="1" name=""/>
+        <p:cNvGrpSpPr/>
+        <p:nvPr/>
+      </p:nvGrpSpPr>
+      <p:grpSpPr>
+        <a:xfrm>
+          <a:off x="0" y="0"/>
+          <a:ext cx="0" cy="0"/>
+          <a:chOff x="0" y="0"/>
+          <a:chExt cx="0" cy="0"/>
+        </a:xfrm>
+      </p:grpSpPr>
+      <p:sp>
+        <p:nvSpPr>
+          <p:cNvPr id="2" name="Заголовок 1">
+            <a:extLst>
+              <a:ext uri="{FF2B5EF4-FFF2-40B4-BE49-F238E27FC236}">
+                <a16:creationId xmlns:a16="http://schemas.microsoft.com/office/drawing/2014/main" id="{7D7173E1-5FA3-4794-8B1E-BBDED365BA35}"/>
+              </a:ext>
+            </a:extLst>
+          </p:cNvPr>
+          <p:cNvSpPr>
+            <a:spLocks noGrp="1"/>
+          </p:cNvSpPr>
+          <p:nvPr>
+            <p:ph type="title"/>
+          </p:nvPr>
+        </p:nvSpPr>
+        <p:spPr>
+          <a:xfrm>
+            <a:off x="243055" y="296779"/>
+            <a:ext cx="10649534" cy="1283368"/>
+          </a:xfrm>
+        </p:spPr>
+        <p:txBody>
+          <a:bodyPr/>
+          <a:lstStyle/>
+          <a:p>
+            <a:r>
+              <a:rPr lang="hy-AM" b="1" dirty="0">
+                <a:solidFill>
+                  <a:schemeClr val="accent4">
+                    <a:lumMod val="75000"/>
+                  </a:schemeClr>
+                </a:solidFill>
+              </a:rPr>
+              <a:t>Համեմատման ՕՊԵՐԱՏՈՐՆԵՐ</a:t>
+            </a:r>
+            <a:endParaRPr lang="en-US" b="1" dirty="0">
+              <a:solidFill>
+                <a:schemeClr val="accent4">
+                  <a:lumMod val="75000"/>
+                </a:schemeClr>
+              </a:solidFill>
+            </a:endParaRPr>
+          </a:p>
+        </p:txBody>
+      </p:sp>
+      <p:pic>
+        <p:nvPicPr>
+          <p:cNvPr id="7" name="Объект 6">
+            <a:extLst>
+              <a:ext uri="{FF2B5EF4-FFF2-40B4-BE49-F238E27FC236}">
+                <a16:creationId xmlns:a16="http://schemas.microsoft.com/office/drawing/2014/main" id="{BC77D8E8-E76C-4C0F-8E83-F53727C45F51}"/>
+              </a:ext>
+            </a:extLst>
+          </p:cNvPr>
+          <p:cNvPicPr>
+            <a:picLocks noGrp="1" noChangeAspect="1"/>
+          </p:cNvPicPr>
+          <p:nvPr>
+            <p:ph idx="1"/>
+          </p:nvPr>
+        </p:nvPicPr>
+        <p:blipFill>
+          <a:blip r:embed="rId2">
+            <a:extLst>
+              <a:ext uri="{28A0092B-C50C-407E-A947-70E740481C1C}">
+                <a14:useLocalDpi xmlns:a14="http://schemas.microsoft.com/office/drawing/2010/main" val="0"/>
+              </a:ext>
+            </a:extLst>
+          </a:blip>
+          <a:stretch>
+            <a:fillRect/>
+          </a:stretch>
+        </p:blipFill>
+        <p:spPr>
+          <a:xfrm>
+            <a:off x="2344571" y="1580147"/>
+            <a:ext cx="7097426" cy="4981074"/>
+          </a:xfrm>
+        </p:spPr>
+      </p:pic>
+    </p:spTree>
+    <p:extLst>
+      <p:ext uri="{BB962C8B-B14F-4D97-AF65-F5344CB8AC3E}">
+        <p14:creationId xmlns:p14="http://schemas.microsoft.com/office/powerpoint/2010/main" val="2098755106"/>
+      </p:ext>
+    </p:extLst>
+  </p:cSld>
+  <p:clrMapOvr>
+    <a:masterClrMapping/>
+  </p:clrMapOvr>
+</p:sld>
+</file>
+
+<file path=ppt/slides/slide8.xml><?xml version="1.0" encoding="utf-8"?>
+<p:sld xmlns:a="http://schemas.openxmlformats.org/drawingml/2006/main" xmlns:r="http://schemas.openxmlformats.org/officeDocument/2006/relationships" xmlns:p="http://schemas.openxmlformats.org/presentationml/2006/main">
+  <p:cSld>
+    <p:spTree>
+      <p:nvGrpSpPr>
+        <p:cNvPr id="1" name=""/>
+        <p:cNvGrpSpPr/>
+        <p:nvPr/>
+      </p:nvGrpSpPr>
+      <p:grpSpPr>
+        <a:xfrm>
+          <a:off x="0" y="0"/>
+          <a:ext cx="0" cy="0"/>
+          <a:chOff x="0" y="0"/>
+          <a:chExt cx="0" cy="0"/>
+        </a:xfrm>
+      </p:grpSpPr>
+      <p:sp>
+        <p:nvSpPr>
+          <p:cNvPr id="2" name="Заголовок 1">
+            <a:extLst>
+              <a:ext uri="{FF2B5EF4-FFF2-40B4-BE49-F238E27FC236}">
+                <a16:creationId xmlns:a16="http://schemas.microsoft.com/office/drawing/2014/main" id="{7D7173E1-5FA3-4794-8B1E-BBDED365BA35}"/>
+              </a:ext>
+            </a:extLst>
+          </p:cNvPr>
+          <p:cNvSpPr>
+            <a:spLocks noGrp="1"/>
+          </p:cNvSpPr>
+          <p:nvPr>
+            <p:ph type="title"/>
+          </p:nvPr>
+        </p:nvSpPr>
+        <p:spPr>
+          <a:xfrm>
+            <a:off x="243055" y="296779"/>
+            <a:ext cx="10649534" cy="1283368"/>
+          </a:xfrm>
+        </p:spPr>
+        <p:txBody>
+          <a:bodyPr/>
+          <a:lstStyle/>
+          <a:p>
+            <a:r>
+              <a:rPr lang="hy-AM" b="1" dirty="0">
+                <a:solidFill>
+                  <a:schemeClr val="accent4">
+                    <a:lumMod val="75000"/>
+                  </a:schemeClr>
+                </a:solidFill>
+              </a:rPr>
+              <a:t>Տրամաբանական ՕՊԵՐԱՏՈՐՆԵՐ</a:t>
+            </a:r>
+            <a:endParaRPr lang="en-US" b="1" dirty="0">
+              <a:solidFill>
+                <a:schemeClr val="accent4">
+                  <a:lumMod val="75000"/>
+                </a:schemeClr>
+              </a:solidFill>
+            </a:endParaRPr>
+          </a:p>
+        </p:txBody>
+      </p:sp>
+      <p:pic>
+        <p:nvPicPr>
+          <p:cNvPr id="6" name="Объект 5">
+            <a:extLst>
+              <a:ext uri="{FF2B5EF4-FFF2-40B4-BE49-F238E27FC236}">
+                <a16:creationId xmlns:a16="http://schemas.microsoft.com/office/drawing/2014/main" id="{F52D79D4-CB11-4C4B-8F43-EAC64B8A4AC0}"/>
+              </a:ext>
+            </a:extLst>
+          </p:cNvPr>
+          <p:cNvPicPr>
+            <a:picLocks noGrp="1" noChangeAspect="1"/>
+          </p:cNvPicPr>
+          <p:nvPr>
+            <p:ph idx="1"/>
+          </p:nvPr>
+        </p:nvPicPr>
+        <p:blipFill>
+          <a:blip r:embed="rId2">
+            <a:extLst>
+              <a:ext uri="{28A0092B-C50C-407E-A947-70E740481C1C}">
+                <a14:useLocalDpi xmlns:a14="http://schemas.microsoft.com/office/drawing/2010/main" val="0"/>
+              </a:ext>
+            </a:extLst>
+          </a:blip>
+          <a:stretch>
+            <a:fillRect/>
+          </a:stretch>
+        </p:blipFill>
+        <p:spPr>
+          <a:xfrm>
+            <a:off x="1443789" y="1432221"/>
+            <a:ext cx="8528453" cy="5129000"/>
+          </a:xfrm>
+        </p:spPr>
+      </p:pic>
+    </p:spTree>
+    <p:extLst>
+      <p:ext uri="{BB962C8B-B14F-4D97-AF65-F5344CB8AC3E}">
+        <p14:creationId xmlns:p14="http://schemas.microsoft.com/office/powerpoint/2010/main" val="84463820"/>
+      </p:ext>
+    </p:extLst>
+  </p:cSld>
+  <p:clrMapOvr>
+    <a:masterClrMapping/>
+  </p:clrMapOvr>
+</p:sld>
+</file>
+
 <file path=ppt/theme/theme1.xml><?xml version="1.0" encoding="utf-8"?>
 <a:theme xmlns:a="http://schemas.openxmlformats.org/drawingml/2006/main" name="Сетка">
   <a:themeElements>

--- a/JS/01. Variables, functions, if else/JS_01.pptx
+++ b/JS/01. Variables, functions, if else/JS_01.pptx
@@ -4,6 +4,9 @@
   <p:sldMasterIdLst>
     <p:sldMasterId id="2147483660" r:id="rId1"/>
   </p:sldMasterIdLst>
+  <p:notesMasterIdLst>
+    <p:notesMasterId r:id="rId8"/>
+  </p:notesMasterIdLst>
   <p:sldIdLst>
     <p:sldId id="256" r:id="rId2"/>
     <p:sldId id="258" r:id="rId3"/>
@@ -11,8 +14,6 @@
     <p:sldId id="260" r:id="rId5"/>
     <p:sldId id="261" r:id="rId6"/>
     <p:sldId id="262" r:id="rId7"/>
-    <p:sldId id="263" r:id="rId8"/>
-    <p:sldId id="264" r:id="rId9"/>
   </p:sldIdLst>
   <p:sldSz cx="12192000" cy="6858000"/>
   <p:notesSz cx="6858000" cy="9144000"/>
@@ -119,6 +120,356 @@
 </p:presentation>
 </file>
 
+<file path=ppt/notesMasters/notesMaster1.xml><?xml version="1.0" encoding="utf-8"?>
+<p:notesMaster xmlns:a="http://schemas.openxmlformats.org/drawingml/2006/main" xmlns:r="http://schemas.openxmlformats.org/officeDocument/2006/relationships" xmlns:p="http://schemas.openxmlformats.org/presentationml/2006/main">
+  <p:cSld>
+    <p:bg>
+      <p:bgRef idx="1001">
+        <a:schemeClr val="bg1"/>
+      </p:bgRef>
+    </p:bg>
+    <p:spTree>
+      <p:nvGrpSpPr>
+        <p:cNvPr id="1" name=""/>
+        <p:cNvGrpSpPr/>
+        <p:nvPr/>
+      </p:nvGrpSpPr>
+      <p:grpSpPr>
+        <a:xfrm>
+          <a:off x="0" y="0"/>
+          <a:ext cx="0" cy="0"/>
+          <a:chOff x="0" y="0"/>
+          <a:chExt cx="0" cy="0"/>
+        </a:xfrm>
+      </p:grpSpPr>
+      <p:sp>
+        <p:nvSpPr>
+          <p:cNvPr id="2" name="Верхний колонтитул 1"/>
+          <p:cNvSpPr>
+            <a:spLocks noGrp="1"/>
+          </p:cNvSpPr>
+          <p:nvPr>
+            <p:ph type="hdr" sz="quarter"/>
+          </p:nvPr>
+        </p:nvSpPr>
+        <p:spPr>
+          <a:xfrm>
+            <a:off x="0" y="0"/>
+            <a:ext cx="2971800" cy="458788"/>
+          </a:xfrm>
+          <a:prstGeom prst="rect">
+            <a:avLst/>
+          </a:prstGeom>
+        </p:spPr>
+        <p:txBody>
+          <a:bodyPr vert="horz" lIns="91440" tIns="45720" rIns="91440" bIns="45720" rtlCol="0"/>
+          <a:lstStyle>
+            <a:lvl1pPr algn="l">
+              <a:defRPr sz="1200"/>
+            </a:lvl1pPr>
+          </a:lstStyle>
+          <a:p>
+            <a:endParaRPr lang="en-US"/>
+          </a:p>
+        </p:txBody>
+      </p:sp>
+      <p:sp>
+        <p:nvSpPr>
+          <p:cNvPr id="3" name="Дата 2"/>
+          <p:cNvSpPr>
+            <a:spLocks noGrp="1"/>
+          </p:cNvSpPr>
+          <p:nvPr>
+            <p:ph type="dt" idx="1"/>
+          </p:nvPr>
+        </p:nvSpPr>
+        <p:spPr>
+          <a:xfrm>
+            <a:off x="3884613" y="0"/>
+            <a:ext cx="2971800" cy="458788"/>
+          </a:xfrm>
+          <a:prstGeom prst="rect">
+            <a:avLst/>
+          </a:prstGeom>
+        </p:spPr>
+        <p:txBody>
+          <a:bodyPr vert="horz" lIns="91440" tIns="45720" rIns="91440" bIns="45720" rtlCol="0"/>
+          <a:lstStyle>
+            <a:lvl1pPr algn="r">
+              <a:defRPr sz="1200"/>
+            </a:lvl1pPr>
+          </a:lstStyle>
+          <a:p>
+            <a:fld id="{A042D914-BB65-4391-870D-38FECA74B488}" type="datetimeFigureOut">
+              <a:rPr lang="en-US" smtClean="0"/>
+              <a:t>12/3/2024</a:t>
+            </a:fld>
+            <a:endParaRPr lang="en-US"/>
+          </a:p>
+        </p:txBody>
+      </p:sp>
+      <p:sp>
+        <p:nvSpPr>
+          <p:cNvPr id="4" name="Образ слайда 3"/>
+          <p:cNvSpPr>
+            <a:spLocks noGrp="1" noRot="1" noChangeAspect="1"/>
+          </p:cNvSpPr>
+          <p:nvPr>
+            <p:ph type="sldImg" idx="2"/>
+          </p:nvPr>
+        </p:nvSpPr>
+        <p:spPr>
+          <a:xfrm>
+            <a:off x="685800" y="1143000"/>
+            <a:ext cx="5486400" cy="3086100"/>
+          </a:xfrm>
+          <a:prstGeom prst="rect">
+            <a:avLst/>
+          </a:prstGeom>
+          <a:noFill/>
+          <a:ln w="12700">
+            <a:solidFill>
+              <a:prstClr val="black"/>
+            </a:solidFill>
+          </a:ln>
+        </p:spPr>
+        <p:txBody>
+          <a:bodyPr vert="horz" lIns="91440" tIns="45720" rIns="91440" bIns="45720" rtlCol="0" anchor="ctr"/>
+          <a:lstStyle/>
+          <a:p>
+            <a:endParaRPr lang="en-US"/>
+          </a:p>
+        </p:txBody>
+      </p:sp>
+      <p:sp>
+        <p:nvSpPr>
+          <p:cNvPr id="5" name="Заметки 4"/>
+          <p:cNvSpPr>
+            <a:spLocks noGrp="1"/>
+          </p:cNvSpPr>
+          <p:nvPr>
+            <p:ph type="body" sz="quarter" idx="3"/>
+          </p:nvPr>
+        </p:nvSpPr>
+        <p:spPr>
+          <a:xfrm>
+            <a:off x="685800" y="4400550"/>
+            <a:ext cx="5486400" cy="3600450"/>
+          </a:xfrm>
+          <a:prstGeom prst="rect">
+            <a:avLst/>
+          </a:prstGeom>
+        </p:spPr>
+        <p:txBody>
+          <a:bodyPr vert="horz" lIns="91440" tIns="45720" rIns="91440" bIns="45720" rtlCol="0"/>
+          <a:lstStyle/>
+          <a:p>
+            <a:pPr lvl="0"/>
+            <a:r>
+              <a:rPr lang="ru-RU"/>
+              <a:t>Образец текста</a:t>
+            </a:r>
+          </a:p>
+          <a:p>
+            <a:pPr lvl="1"/>
+            <a:r>
+              <a:rPr lang="ru-RU"/>
+              <a:t>Второй уровень</a:t>
+            </a:r>
+          </a:p>
+          <a:p>
+            <a:pPr lvl="2"/>
+            <a:r>
+              <a:rPr lang="ru-RU"/>
+              <a:t>Третий уровень</a:t>
+            </a:r>
+          </a:p>
+          <a:p>
+            <a:pPr lvl="3"/>
+            <a:r>
+              <a:rPr lang="ru-RU"/>
+              <a:t>Четвертый уровень</a:t>
+            </a:r>
+          </a:p>
+          <a:p>
+            <a:pPr lvl="4"/>
+            <a:r>
+              <a:rPr lang="ru-RU"/>
+              <a:t>Пятый уровень</a:t>
+            </a:r>
+            <a:endParaRPr lang="en-US"/>
+          </a:p>
+        </p:txBody>
+      </p:sp>
+      <p:sp>
+        <p:nvSpPr>
+          <p:cNvPr id="6" name="Нижний колонтитул 5"/>
+          <p:cNvSpPr>
+            <a:spLocks noGrp="1"/>
+          </p:cNvSpPr>
+          <p:nvPr>
+            <p:ph type="ftr" sz="quarter" idx="4"/>
+          </p:nvPr>
+        </p:nvSpPr>
+        <p:spPr>
+          <a:xfrm>
+            <a:off x="0" y="8685213"/>
+            <a:ext cx="2971800" cy="458787"/>
+          </a:xfrm>
+          <a:prstGeom prst="rect">
+            <a:avLst/>
+          </a:prstGeom>
+        </p:spPr>
+        <p:txBody>
+          <a:bodyPr vert="horz" lIns="91440" tIns="45720" rIns="91440" bIns="45720" rtlCol="0" anchor="b"/>
+          <a:lstStyle>
+            <a:lvl1pPr algn="l">
+              <a:defRPr sz="1200"/>
+            </a:lvl1pPr>
+          </a:lstStyle>
+          <a:p>
+            <a:endParaRPr lang="en-US"/>
+          </a:p>
+        </p:txBody>
+      </p:sp>
+      <p:sp>
+        <p:nvSpPr>
+          <p:cNvPr id="7" name="Номер слайда 6"/>
+          <p:cNvSpPr>
+            <a:spLocks noGrp="1"/>
+          </p:cNvSpPr>
+          <p:nvPr>
+            <p:ph type="sldNum" sz="quarter" idx="5"/>
+          </p:nvPr>
+        </p:nvSpPr>
+        <p:spPr>
+          <a:xfrm>
+            <a:off x="3884613" y="8685213"/>
+            <a:ext cx="2971800" cy="458787"/>
+          </a:xfrm>
+          <a:prstGeom prst="rect">
+            <a:avLst/>
+          </a:prstGeom>
+        </p:spPr>
+        <p:txBody>
+          <a:bodyPr vert="horz" lIns="91440" tIns="45720" rIns="91440" bIns="45720" rtlCol="0" anchor="b"/>
+          <a:lstStyle>
+            <a:lvl1pPr algn="r">
+              <a:defRPr sz="1200"/>
+            </a:lvl1pPr>
+          </a:lstStyle>
+          <a:p>
+            <a:fld id="{5EEDB379-B44C-4D19-B1CD-C5C3CFF4D532}" type="slidenum">
+              <a:rPr lang="en-US" smtClean="0"/>
+              <a:t>‹#›</a:t>
+            </a:fld>
+            <a:endParaRPr lang="en-US"/>
+          </a:p>
+        </p:txBody>
+      </p:sp>
+    </p:spTree>
+    <p:extLst>
+      <p:ext uri="{BB962C8B-B14F-4D97-AF65-F5344CB8AC3E}">
+        <p14:creationId xmlns:p14="http://schemas.microsoft.com/office/powerpoint/2010/main" val="1969702161"/>
+      </p:ext>
+    </p:extLst>
+  </p:cSld>
+  <p:clrMap bg1="lt1" tx1="dk1" bg2="lt2" tx2="dk2" accent1="accent1" accent2="accent2" accent3="accent3" accent4="accent4" accent5="accent5" accent6="accent6" hlink="hlink" folHlink="folHlink"/>
+  <p:notesStyle>
+    <a:lvl1pPr marL="0" algn="l" defTabSz="914400" rtl="0" eaLnBrk="1" latinLnBrk="0" hangingPunct="1">
+      <a:defRPr sz="1200" kern="1200">
+        <a:solidFill>
+          <a:schemeClr val="tx1"/>
+        </a:solidFill>
+        <a:latin typeface="+mn-lt"/>
+        <a:ea typeface="+mn-ea"/>
+        <a:cs typeface="+mn-cs"/>
+      </a:defRPr>
+    </a:lvl1pPr>
+    <a:lvl2pPr marL="457200" algn="l" defTabSz="914400" rtl="0" eaLnBrk="1" latinLnBrk="0" hangingPunct="1">
+      <a:defRPr sz="1200" kern="1200">
+        <a:solidFill>
+          <a:schemeClr val="tx1"/>
+        </a:solidFill>
+        <a:latin typeface="+mn-lt"/>
+        <a:ea typeface="+mn-ea"/>
+        <a:cs typeface="+mn-cs"/>
+      </a:defRPr>
+    </a:lvl2pPr>
+    <a:lvl3pPr marL="914400" algn="l" defTabSz="914400" rtl="0" eaLnBrk="1" latinLnBrk="0" hangingPunct="1">
+      <a:defRPr sz="1200" kern="1200">
+        <a:solidFill>
+          <a:schemeClr val="tx1"/>
+        </a:solidFill>
+        <a:latin typeface="+mn-lt"/>
+        <a:ea typeface="+mn-ea"/>
+        <a:cs typeface="+mn-cs"/>
+      </a:defRPr>
+    </a:lvl3pPr>
+    <a:lvl4pPr marL="1371600" algn="l" defTabSz="914400" rtl="0" eaLnBrk="1" latinLnBrk="0" hangingPunct="1">
+      <a:defRPr sz="1200" kern="1200">
+        <a:solidFill>
+          <a:schemeClr val="tx1"/>
+        </a:solidFill>
+        <a:latin typeface="+mn-lt"/>
+        <a:ea typeface="+mn-ea"/>
+        <a:cs typeface="+mn-cs"/>
+      </a:defRPr>
+    </a:lvl4pPr>
+    <a:lvl5pPr marL="1828800" algn="l" defTabSz="914400" rtl="0" eaLnBrk="1" latinLnBrk="0" hangingPunct="1">
+      <a:defRPr sz="1200" kern="1200">
+        <a:solidFill>
+          <a:schemeClr val="tx1"/>
+        </a:solidFill>
+        <a:latin typeface="+mn-lt"/>
+        <a:ea typeface="+mn-ea"/>
+        <a:cs typeface="+mn-cs"/>
+      </a:defRPr>
+    </a:lvl5pPr>
+    <a:lvl6pPr marL="2286000" algn="l" defTabSz="914400" rtl="0" eaLnBrk="1" latinLnBrk="0" hangingPunct="1">
+      <a:defRPr sz="1200" kern="1200">
+        <a:solidFill>
+          <a:schemeClr val="tx1"/>
+        </a:solidFill>
+        <a:latin typeface="+mn-lt"/>
+        <a:ea typeface="+mn-ea"/>
+        <a:cs typeface="+mn-cs"/>
+      </a:defRPr>
+    </a:lvl6pPr>
+    <a:lvl7pPr marL="2743200" algn="l" defTabSz="914400" rtl="0" eaLnBrk="1" latinLnBrk="0" hangingPunct="1">
+      <a:defRPr sz="1200" kern="1200">
+        <a:solidFill>
+          <a:schemeClr val="tx1"/>
+        </a:solidFill>
+        <a:latin typeface="+mn-lt"/>
+        <a:ea typeface="+mn-ea"/>
+        <a:cs typeface="+mn-cs"/>
+      </a:defRPr>
+    </a:lvl7pPr>
+    <a:lvl8pPr marL="3200400" algn="l" defTabSz="914400" rtl="0" eaLnBrk="1" latinLnBrk="0" hangingPunct="1">
+      <a:defRPr sz="1200" kern="1200">
+        <a:solidFill>
+          <a:schemeClr val="tx1"/>
+        </a:solidFill>
+        <a:latin typeface="+mn-lt"/>
+        <a:ea typeface="+mn-ea"/>
+        <a:cs typeface="+mn-cs"/>
+      </a:defRPr>
+    </a:lvl8pPr>
+    <a:lvl9pPr marL="3657600" algn="l" defTabSz="914400" rtl="0" eaLnBrk="1" latinLnBrk="0" hangingPunct="1">
+      <a:defRPr sz="1200" kern="1200">
+        <a:solidFill>
+          <a:schemeClr val="tx1"/>
+        </a:solidFill>
+        <a:latin typeface="+mn-lt"/>
+        <a:ea typeface="+mn-ea"/>
+        <a:cs typeface="+mn-cs"/>
+      </a:defRPr>
+    </a:lvl9pPr>
+  </p:notesStyle>
+</p:notesMaster>
+</file>
+
 <file path=ppt/slideLayouts/slideLayout1.xml><?xml version="1.0" encoding="utf-8"?>
 <p:sldLayout xmlns:a="http://schemas.openxmlformats.org/drawingml/2006/main" xmlns:r="http://schemas.openxmlformats.org/officeDocument/2006/relationships" xmlns:p="http://schemas.openxmlformats.org/presentationml/2006/main" type="title" preserve="1">
   <p:cSld name="Титульный слайд">
@@ -332,7 +683,7 @@
           <a:p>
             <a:fld id="{4DE3B8FE-1D2D-49AE-BFC8-FB35E95B8F74}" type="datetimeFigureOut">
               <a:rPr lang="en-US" smtClean="0"/>
-              <a:t>11/14/2024</a:t>
+              <a:t>12/3/2024</a:t>
             </a:fld>
             <a:endParaRPr lang="en-US"/>
           </a:p>
@@ -623,7 +974,7 @@
           <a:p>
             <a:fld id="{4DE3B8FE-1D2D-49AE-BFC8-FB35E95B8F74}" type="datetimeFigureOut">
               <a:rPr lang="en-US" smtClean="0"/>
-              <a:t>11/14/2024</a:t>
+              <a:t>12/3/2024</a:t>
             </a:fld>
             <a:endParaRPr lang="en-US"/>
           </a:p>
@@ -882,7 +1233,7 @@
           <a:p>
             <a:fld id="{4DE3B8FE-1D2D-49AE-BFC8-FB35E95B8F74}" type="datetimeFigureOut">
               <a:rPr lang="en-US" smtClean="0"/>
-              <a:t>11/14/2024</a:t>
+              <a:t>12/3/2024</a:t>
             </a:fld>
             <a:endParaRPr lang="en-US"/>
           </a:p>
@@ -1351,7 +1702,7 @@
           <a:p>
             <a:fld id="{4DE3B8FE-1D2D-49AE-BFC8-FB35E95B8F74}" type="datetimeFigureOut">
               <a:rPr lang="en-US" smtClean="0"/>
-              <a:t>11/14/2024</a:t>
+              <a:t>12/3/2024</a:t>
             </a:fld>
             <a:endParaRPr lang="en-US"/>
           </a:p>
@@ -1531,7 +1882,7 @@
           <a:p>
             <a:fld id="{4DE3B8FE-1D2D-49AE-BFC8-FB35E95B8F74}" type="datetimeFigureOut">
               <a:rPr lang="en-US" smtClean="0"/>
-              <a:t>11/14/2024</a:t>
+              <a:t>12/3/2024</a:t>
             </a:fld>
             <a:endParaRPr lang="en-US"/>
           </a:p>
@@ -2107,7 +2458,7 @@
           <a:p>
             <a:fld id="{4DE3B8FE-1D2D-49AE-BFC8-FB35E95B8F74}" type="datetimeFigureOut">
               <a:rPr lang="en-US" smtClean="0"/>
-              <a:t>11/14/2024</a:t>
+              <a:t>12/3/2024</a:t>
             </a:fld>
             <a:endParaRPr lang="en-US"/>
           </a:p>
@@ -2439,7 +2790,7 @@
           <a:p>
             <a:fld id="{4DE3B8FE-1D2D-49AE-BFC8-FB35E95B8F74}" type="datetimeFigureOut">
               <a:rPr lang="en-US" smtClean="0"/>
-              <a:t>11/14/2024</a:t>
+              <a:t>12/3/2024</a:t>
             </a:fld>
             <a:endParaRPr lang="en-US"/>
           </a:p>
@@ -2614,7 +2965,7 @@
           <a:p>
             <a:fld id="{4DE3B8FE-1D2D-49AE-BFC8-FB35E95B8F74}" type="datetimeFigureOut">
               <a:rPr lang="en-US" smtClean="0"/>
-              <a:t>11/14/2024</a:t>
+              <a:t>12/3/2024</a:t>
             </a:fld>
             <a:endParaRPr lang="en-US"/>
           </a:p>
@@ -2794,7 +3145,7 @@
           <a:p>
             <a:fld id="{4DE3B8FE-1D2D-49AE-BFC8-FB35E95B8F74}" type="datetimeFigureOut">
               <a:rPr lang="en-US" smtClean="0"/>
-              <a:t>11/14/2024</a:t>
+              <a:t>12/3/2024</a:t>
             </a:fld>
             <a:endParaRPr lang="en-US"/>
           </a:p>
@@ -2964,7 +3315,7 @@
           <a:p>
             <a:fld id="{4DE3B8FE-1D2D-49AE-BFC8-FB35E95B8F74}" type="datetimeFigureOut">
               <a:rPr lang="en-US" smtClean="0"/>
-              <a:t>11/14/2024</a:t>
+              <a:t>12/3/2024</a:t>
             </a:fld>
             <a:endParaRPr lang="en-US"/>
           </a:p>
@@ -3221,7 +3572,7 @@
           <a:p>
             <a:fld id="{4DE3B8FE-1D2D-49AE-BFC8-FB35E95B8F74}" type="datetimeFigureOut">
               <a:rPr lang="en-US" smtClean="0"/>
-              <a:t>11/14/2024</a:t>
+              <a:t>12/3/2024</a:t>
             </a:fld>
             <a:endParaRPr lang="en-US"/>
           </a:p>
@@ -3513,7 +3864,7 @@
           <a:p>
             <a:fld id="{4DE3B8FE-1D2D-49AE-BFC8-FB35E95B8F74}" type="datetimeFigureOut">
               <a:rPr lang="en-US" smtClean="0"/>
-              <a:t>11/14/2024</a:t>
+              <a:t>12/3/2024</a:t>
             </a:fld>
             <a:endParaRPr lang="en-US"/>
           </a:p>
@@ -3943,7 +4294,7 @@
           <a:p>
             <a:fld id="{4DE3B8FE-1D2D-49AE-BFC8-FB35E95B8F74}" type="datetimeFigureOut">
               <a:rPr lang="en-US" smtClean="0"/>
-              <a:t>11/14/2024</a:t>
+              <a:t>12/3/2024</a:t>
             </a:fld>
             <a:endParaRPr lang="en-US"/>
           </a:p>
@@ -4061,7 +4412,7 @@
           <a:p>
             <a:fld id="{4DE3B8FE-1D2D-49AE-BFC8-FB35E95B8F74}" type="datetimeFigureOut">
               <a:rPr lang="en-US" smtClean="0"/>
-              <a:t>11/14/2024</a:t>
+              <a:t>12/3/2024</a:t>
             </a:fld>
             <a:endParaRPr lang="en-US"/>
           </a:p>
@@ -4156,7 +4507,7 @@
           <a:p>
             <a:fld id="{4DE3B8FE-1D2D-49AE-BFC8-FB35E95B8F74}" type="datetimeFigureOut">
               <a:rPr lang="en-US" smtClean="0"/>
-              <a:t>11/14/2024</a:t>
+              <a:t>12/3/2024</a:t>
             </a:fld>
             <a:endParaRPr lang="en-US"/>
           </a:p>
@@ -4439,7 +4790,7 @@
           <a:p>
             <a:fld id="{4DE3B8FE-1D2D-49AE-BFC8-FB35E95B8F74}" type="datetimeFigureOut">
               <a:rPr lang="en-US" smtClean="0"/>
-              <a:t>11/14/2024</a:t>
+              <a:t>12/3/2024</a:t>
             </a:fld>
             <a:endParaRPr lang="en-US"/>
           </a:p>
@@ -4730,7 +5081,7 @@
           <a:p>
             <a:fld id="{4DE3B8FE-1D2D-49AE-BFC8-FB35E95B8F74}" type="datetimeFigureOut">
               <a:rPr lang="en-US" smtClean="0"/>
-              <a:t>11/14/2024</a:t>
+              <a:t>12/3/2024</a:t>
             </a:fld>
             <a:endParaRPr lang="en-US"/>
           </a:p>
@@ -4961,7 +5312,7 @@
           <a:p>
             <a:fld id="{4DE3B8FE-1D2D-49AE-BFC8-FB35E95B8F74}" type="datetimeFigureOut">
               <a:rPr lang="en-US" smtClean="0"/>
-              <a:t>11/14/2024</a:t>
+              <a:t>12/3/2024</a:t>
             </a:fld>
             <a:endParaRPr lang="en-US"/>
           </a:p>
@@ -5828,7 +6179,15 @@
           <a:p>
             <a:r>
               <a:rPr lang="hy-AM" dirty="0"/>
-              <a:t>Դաս։ 01 Ներածություն</a:t>
+              <a:t>Դաս։ 0</a:t>
+            </a:r>
+            <a:r>
+              <a:rPr lang="en-US" dirty="0"/>
+              <a:t>9</a:t>
+            </a:r>
+            <a:r>
+              <a:rPr lang="hy-AM" dirty="0"/>
+              <a:t> Սխալների որոնում, հետաձգված գործողություններ</a:t>
             </a:r>
             <a:endParaRPr lang="en-US" dirty="0"/>
           </a:p>
@@ -5882,8 +6241,8 @@
         </p:nvSpPr>
         <p:spPr>
           <a:xfrm>
-            <a:off x="243055" y="296779"/>
-            <a:ext cx="10649534" cy="1283368"/>
+            <a:off x="251734" y="296779"/>
+            <a:ext cx="11688532" cy="608743"/>
           </a:xfrm>
         </p:spPr>
         <p:txBody>
@@ -5898,54 +6257,17 @@
                   </a:schemeClr>
                 </a:solidFill>
               </a:rPr>
-              <a:t>JS </a:t>
-            </a:r>
-            <a:r>
-              <a:rPr lang="hy-AM" b="1" dirty="0">
-                <a:solidFill>
-                  <a:schemeClr val="accent4">
-                    <a:lumMod val="75000"/>
-                  </a:schemeClr>
-                </a:solidFill>
-              </a:rPr>
-              <a:t>կոդը </a:t>
-            </a:r>
-            <a:r>
-              <a:rPr lang="en-US" b="1" dirty="0">
-                <a:solidFill>
-                  <a:schemeClr val="accent4">
-                    <a:lumMod val="75000"/>
-                  </a:schemeClr>
-                </a:solidFill>
-              </a:rPr>
-              <a:t>HTML </a:t>
-            </a:r>
-            <a:r>
-              <a:rPr lang="hy-AM" b="1" dirty="0">
-                <a:solidFill>
-                  <a:schemeClr val="accent4">
-                    <a:lumMod val="75000"/>
-                  </a:schemeClr>
-                </a:solidFill>
-              </a:rPr>
-              <a:t>էջին ավելացնելու եղանակները</a:t>
-            </a:r>
-            <a:endParaRPr lang="en-US" b="1" dirty="0">
-              <a:solidFill>
-                <a:schemeClr val="accent4">
-                  <a:lumMod val="75000"/>
-                </a:schemeClr>
-              </a:solidFill>
-            </a:endParaRPr>
+              <a:t>Try catch</a:t>
+            </a:r>
           </a:p>
         </p:txBody>
       </p:sp>
       <p:pic>
         <p:nvPicPr>
-          <p:cNvPr id="5" name="Объект 4">
+          <p:cNvPr id="10" name="Объект 9">
             <a:extLst>
               <a:ext uri="{FF2B5EF4-FFF2-40B4-BE49-F238E27FC236}">
-                <a16:creationId xmlns:a16="http://schemas.microsoft.com/office/drawing/2014/main" id="{1A1DAADB-3562-4549-9DD1-E7BBC696686A}"/>
+                <a16:creationId xmlns:a16="http://schemas.microsoft.com/office/drawing/2014/main" id="{749222F2-CF4D-4659-9C2A-E15A75F1A1CA}"/>
               </a:ext>
             </a:extLst>
           </p:cNvPr>
@@ -5964,14 +6286,13 @@
               </a:ext>
             </a:extLst>
           </a:blip>
-          <a:stretch>
-            <a:fillRect/>
-          </a:stretch>
+          <a:srcRect/>
+          <a:stretch/>
         </p:blipFill>
         <p:spPr>
           <a:xfrm>
-            <a:off x="2743914" y="1720517"/>
-            <a:ext cx="6704172" cy="4439652"/>
+            <a:off x="251735" y="905522"/>
+            <a:ext cx="11688530" cy="5749492"/>
           </a:xfrm>
         </p:spPr>
       </p:pic>
@@ -6023,8 +6344,8 @@
         </p:nvSpPr>
         <p:spPr>
           <a:xfrm>
-            <a:off x="243055" y="296779"/>
-            <a:ext cx="10649534" cy="1283368"/>
+            <a:off x="251734" y="296779"/>
+            <a:ext cx="11688532" cy="608743"/>
           </a:xfrm>
         </p:spPr>
         <p:txBody>
@@ -6032,34 +6353,24 @@
           <a:lstStyle/>
           <a:p>
             <a:r>
-              <a:rPr lang="hy-AM" b="1" dirty="0">
+              <a:rPr lang="en-US" b="1" dirty="0">
                 <a:solidFill>
                   <a:schemeClr val="accent4">
                     <a:lumMod val="75000"/>
                   </a:schemeClr>
                 </a:solidFill>
               </a:rPr>
-              <a:t>Փոփոխականներ </a:t>
-            </a:r>
-            <a:r>
-              <a:rPr lang="en-US" b="1" dirty="0">
-                <a:solidFill>
-                  <a:schemeClr val="accent4">
-                    <a:lumMod val="75000"/>
-                  </a:schemeClr>
-                </a:solidFill>
-              </a:rPr>
-              <a:t>(VAR, LET, CONST)</a:t>
+              <a:t>throw new error</a:t>
             </a:r>
           </a:p>
         </p:txBody>
       </p:sp>
       <p:pic>
         <p:nvPicPr>
-          <p:cNvPr id="7" name="Объект 6">
+          <p:cNvPr id="10" name="Объект 9">
             <a:extLst>
               <a:ext uri="{FF2B5EF4-FFF2-40B4-BE49-F238E27FC236}">
-                <a16:creationId xmlns:a16="http://schemas.microsoft.com/office/drawing/2014/main" id="{1F2DA476-B9D4-4DBE-A781-DB77B8696E2E}"/>
+                <a16:creationId xmlns:a16="http://schemas.microsoft.com/office/drawing/2014/main" id="{749222F2-CF4D-4659-9C2A-E15A75F1A1CA}"/>
               </a:ext>
             </a:extLst>
           </p:cNvPr>
@@ -6078,57 +6389,20 @@
               </a:ext>
             </a:extLst>
           </a:blip>
-          <a:stretch>
-            <a:fillRect/>
-          </a:stretch>
+          <a:srcRect/>
+          <a:stretch/>
         </p:blipFill>
         <p:spPr>
           <a:xfrm>
-            <a:off x="6549610" y="1311023"/>
-            <a:ext cx="5250197" cy="5250197"/>
+            <a:off x="251736" y="905522"/>
+            <a:ext cx="11688528" cy="5749492"/>
           </a:xfrm>
-        </p:spPr>
-      </p:pic>
-      <p:pic>
-        <p:nvPicPr>
-          <p:cNvPr id="11" name="Рисунок 10">
-            <a:extLst>
-              <a:ext uri="{FF2B5EF4-FFF2-40B4-BE49-F238E27FC236}">
-                <a16:creationId xmlns:a16="http://schemas.microsoft.com/office/drawing/2014/main" id="{8CC847FF-5B44-4CA3-834F-CE9B0F6773F4}"/>
-              </a:ext>
-            </a:extLst>
-          </p:cNvPr>
-          <p:cNvPicPr>
-            <a:picLocks noChangeAspect="1"/>
-          </p:cNvPicPr>
-          <p:nvPr/>
-        </p:nvPicPr>
-        <p:blipFill>
-          <a:blip r:embed="rId3">
-            <a:extLst>
-              <a:ext uri="{28A0092B-C50C-407E-A947-70E740481C1C}">
-                <a14:useLocalDpi xmlns:a14="http://schemas.microsoft.com/office/drawing/2010/main" val="0"/>
-              </a:ext>
-            </a:extLst>
-          </a:blip>
-          <a:stretch>
-            <a:fillRect/>
-          </a:stretch>
-        </p:blipFill>
-        <p:spPr>
-          <a:xfrm>
-            <a:off x="392195" y="1311023"/>
-            <a:ext cx="5250197" cy="5250197"/>
-          </a:xfrm>
-          <a:prstGeom prst="rect">
-            <a:avLst/>
-          </a:prstGeom>
         </p:spPr>
       </p:pic>
     </p:spTree>
     <p:extLst>
       <p:ext uri="{BB962C8B-B14F-4D97-AF65-F5344CB8AC3E}">
-        <p14:creationId xmlns:p14="http://schemas.microsoft.com/office/powerpoint/2010/main" val="2903249305"/>
+        <p14:creationId xmlns:p14="http://schemas.microsoft.com/office/powerpoint/2010/main" val="3575027805"/>
       </p:ext>
     </p:extLst>
   </p:cSld>
@@ -6173,8 +6447,8 @@
         </p:nvSpPr>
         <p:spPr>
           <a:xfrm>
-            <a:off x="243055" y="296779"/>
-            <a:ext cx="10649534" cy="1283368"/>
+            <a:off x="251734" y="296779"/>
+            <a:ext cx="11688532" cy="608743"/>
           </a:xfrm>
         </p:spPr>
         <p:txBody>
@@ -6182,81 +6456,34 @@
           <a:lstStyle/>
           <a:p>
             <a:r>
-              <a:rPr lang="en-US" b="1" dirty="0">
+              <a:rPr lang="en-US" b="1" dirty="0" err="1">
                 <a:solidFill>
                   <a:schemeClr val="accent4">
                     <a:lumMod val="75000"/>
                   </a:schemeClr>
                 </a:solidFill>
               </a:rPr>
-              <a:t>Console/</a:t>
-            </a:r>
-            <a:r>
-              <a:rPr lang="en-US" b="1" dirty="0" err="1">
+              <a:t>setTimeout</a:t>
+            </a:r>
+            <a:r>
+              <a:rPr lang="en-US" b="1" dirty="0">
                 <a:solidFill>
                   <a:schemeClr val="accent4">
                     <a:lumMod val="75000"/>
                   </a:schemeClr>
                 </a:solidFill>
               </a:rPr>
-              <a:t>ALert</a:t>
-            </a:r>
-            <a:r>
-              <a:rPr lang="en-US" b="1" dirty="0">
-                <a:solidFill>
-                  <a:schemeClr val="accent4">
-                    <a:lumMod val="75000"/>
-                  </a:schemeClr>
-                </a:solidFill>
-              </a:rPr>
-              <a:t>/prompt/</a:t>
-            </a:r>
-            <a:r>
-              <a:rPr lang="en-US" b="1" dirty="0" err="1">
-                <a:solidFill>
-                  <a:schemeClr val="accent4">
-                    <a:lumMod val="75000"/>
-                  </a:schemeClr>
-                </a:solidFill>
-              </a:rPr>
-              <a:t>comfirm</a:t>
-            </a:r>
-            <a:r>
-              <a:rPr lang="en-US" b="1" dirty="0">
-                <a:solidFill>
-                  <a:schemeClr val="accent4">
-                    <a:lumMod val="75000"/>
-                  </a:schemeClr>
-                </a:solidFill>
-              </a:rPr>
-              <a:t> </a:t>
-            </a:r>
-            <a:r>
-              <a:rPr lang="hy-AM" b="1" dirty="0">
-                <a:solidFill>
-                  <a:schemeClr val="accent4">
-                    <a:lumMod val="75000"/>
-                  </a:schemeClr>
-                </a:solidFill>
-              </a:rPr>
-              <a:t>մեթոդներ</a:t>
-            </a:r>
-            <a:endParaRPr lang="en-US" b="1" dirty="0">
-              <a:solidFill>
-                <a:schemeClr val="accent4">
-                  <a:lumMod val="75000"/>
-                </a:schemeClr>
-              </a:solidFill>
-            </a:endParaRPr>
+              <a:t>()</a:t>
+            </a:r>
           </a:p>
         </p:txBody>
       </p:sp>
       <p:pic>
         <p:nvPicPr>
-          <p:cNvPr id="12" name="Объект 11">
+          <p:cNvPr id="10" name="Объект 9">
             <a:extLst>
               <a:ext uri="{FF2B5EF4-FFF2-40B4-BE49-F238E27FC236}">
-                <a16:creationId xmlns:a16="http://schemas.microsoft.com/office/drawing/2014/main" id="{2A59483F-D6E0-4F06-895A-1902E69CC7C1}"/>
+                <a16:creationId xmlns:a16="http://schemas.microsoft.com/office/drawing/2014/main" id="{749222F2-CF4D-4659-9C2A-E15A75F1A1CA}"/>
               </a:ext>
             </a:extLst>
           </p:cNvPr>
@@ -6275,21 +6502,20 @@
               </a:ext>
             </a:extLst>
           </a:blip>
-          <a:stretch>
-            <a:fillRect/>
-          </a:stretch>
+          <a:srcRect/>
+          <a:stretch/>
         </p:blipFill>
         <p:spPr>
           <a:xfrm>
-            <a:off x="1911479" y="1580147"/>
-            <a:ext cx="8369042" cy="4694510"/>
+            <a:off x="251736" y="905522"/>
+            <a:ext cx="11688528" cy="5749491"/>
           </a:xfrm>
         </p:spPr>
       </p:pic>
     </p:spTree>
     <p:extLst>
       <p:ext uri="{BB962C8B-B14F-4D97-AF65-F5344CB8AC3E}">
-        <p14:creationId xmlns:p14="http://schemas.microsoft.com/office/powerpoint/2010/main" val="2756604110"/>
+        <p14:creationId xmlns:p14="http://schemas.microsoft.com/office/powerpoint/2010/main" val="308845704"/>
       </p:ext>
     </p:extLst>
   </p:cSld>
@@ -6334,8 +6560,8 @@
         </p:nvSpPr>
         <p:spPr>
           <a:xfrm>
-            <a:off x="243055" y="296779"/>
-            <a:ext cx="10649534" cy="1283368"/>
+            <a:off x="251734" y="296779"/>
+            <a:ext cx="11688532" cy="608743"/>
           </a:xfrm>
         </p:spPr>
         <p:txBody>
@@ -6343,22 +6569,25 @@
           <a:lstStyle/>
           <a:p>
             <a:r>
-              <a:rPr lang="hy-AM" b="1" dirty="0">
+              <a:rPr lang="en-US" b="1" dirty="0" err="1">
                 <a:solidFill>
                   <a:schemeClr val="accent4">
                     <a:lumMod val="75000"/>
                   </a:schemeClr>
                 </a:solidFill>
               </a:rPr>
-              <a:t>պրիմիտիվ եվ բարդ տվյալների տիպեր</a:t>
-            </a:r>
-            <a:endParaRPr lang="en-US" b="1" dirty="0">
-              <a:solidFill>
-                <a:schemeClr val="accent4">
-                  <a:lumMod val="75000"/>
-                </a:schemeClr>
-              </a:solidFill>
-            </a:endParaRPr>
+              <a:t>setinterval</a:t>
+            </a:r>
+            <a:r>
+              <a:rPr lang="en-US" b="1" dirty="0">
+                <a:solidFill>
+                  <a:schemeClr val="accent4">
+                    <a:lumMod val="75000"/>
+                  </a:schemeClr>
+                </a:solidFill>
+              </a:rPr>
+              <a:t>()</a:t>
+            </a:r>
           </a:p>
         </p:txBody>
       </p:sp>
@@ -6367,7 +6596,7 @@
           <p:cNvPr id="10" name="Объект 9">
             <a:extLst>
               <a:ext uri="{FF2B5EF4-FFF2-40B4-BE49-F238E27FC236}">
-                <a16:creationId xmlns:a16="http://schemas.microsoft.com/office/drawing/2014/main" id="{F720F3B3-3D8C-4407-96EE-49FBD1C2B274}"/>
+                <a16:creationId xmlns:a16="http://schemas.microsoft.com/office/drawing/2014/main" id="{749222F2-CF4D-4659-9C2A-E15A75F1A1CA}"/>
               </a:ext>
             </a:extLst>
           </p:cNvPr>
@@ -6386,21 +6615,20 @@
               </a:ext>
             </a:extLst>
           </a:blip>
-          <a:stretch>
-            <a:fillRect/>
-          </a:stretch>
+          <a:srcRect/>
+          <a:stretch/>
         </p:blipFill>
         <p:spPr>
           <a:xfrm>
-            <a:off x="2787954" y="1379158"/>
-            <a:ext cx="6616092" cy="5182063"/>
+            <a:off x="251737" y="905522"/>
+            <a:ext cx="11688525" cy="5749491"/>
           </a:xfrm>
         </p:spPr>
       </p:pic>
     </p:spTree>
     <p:extLst>
       <p:ext uri="{BB962C8B-B14F-4D97-AF65-F5344CB8AC3E}">
-        <p14:creationId xmlns:p14="http://schemas.microsoft.com/office/powerpoint/2010/main" val="990299015"/>
+        <p14:creationId xmlns:p14="http://schemas.microsoft.com/office/powerpoint/2010/main" val="1831575799"/>
       </p:ext>
     </p:extLst>
   </p:cSld>
@@ -6445,8 +6673,8 @@
         </p:nvSpPr>
         <p:spPr>
           <a:xfrm>
-            <a:off x="243055" y="296779"/>
-            <a:ext cx="10649534" cy="1283368"/>
+            <a:off x="251734" y="296779"/>
+            <a:ext cx="11688532" cy="608743"/>
           </a:xfrm>
         </p:spPr>
         <p:txBody>
@@ -6454,31 +6682,54 @@
           <a:lstStyle/>
           <a:p>
             <a:r>
-              <a:rPr lang="hy-AM" b="1">
+              <a:rPr lang="en-US" b="1" dirty="0" err="1">
                 <a:solidFill>
                   <a:schemeClr val="accent4">
                     <a:lumMod val="75000"/>
                   </a:schemeClr>
                 </a:solidFill>
               </a:rPr>
-              <a:t>Տրամաբանական բլոկներ</a:t>
-            </a:r>
-            <a:endParaRPr lang="en-US" b="1" dirty="0">
-              <a:solidFill>
-                <a:schemeClr val="accent4">
-                  <a:lumMod val="75000"/>
-                </a:schemeClr>
-              </a:solidFill>
-            </a:endParaRPr>
+              <a:t>clearinterval</a:t>
+            </a:r>
+            <a:r>
+              <a:rPr lang="en-US" b="1" dirty="0">
+                <a:solidFill>
+                  <a:schemeClr val="accent4">
+                    <a:lumMod val="75000"/>
+                  </a:schemeClr>
+                </a:solidFill>
+              </a:rPr>
+              <a:t>(), </a:t>
+            </a:r>
+            <a:r>
+              <a:rPr lang="en-US" b="1" dirty="0" err="1">
+                <a:solidFill>
+                  <a:schemeClr val="accent4">
+                    <a:lumMod val="75000"/>
+                  </a:schemeClr>
+                </a:solidFill>
+              </a:rPr>
+              <a:t>cleartimeout</a:t>
+            </a:r>
+            <a:r>
+              <a:rPr lang="en-US" b="1" dirty="0">
+                <a:solidFill>
+                  <a:schemeClr val="accent4">
+                    <a:lumMod val="75000"/>
+                  </a:schemeClr>
+                </a:solidFill>
+              </a:rPr>
+              <a:t>()</a:t>
+            </a:r>
           </a:p>
         </p:txBody>
       </p:sp>
       <p:pic>
         <p:nvPicPr>
-          <p:cNvPr id="6" name="Объект 5">
+          <p:cNvPr id="10" name="Объект 9">
             <a:extLst>
               <a:ext uri="{FF2B5EF4-FFF2-40B4-BE49-F238E27FC236}">
-                <a16:creationId xmlns:a16="http://schemas.microsoft.com/office/drawing/2014/main" id="{1DF5B626-42E0-4BC6-8222-278650100CD1}"/>
+                <a16:creationId xmlns:a16="http://schemas.microsoft.com/office/drawing/2014/main" id="{749222F2-CF4D-4659-9C2A-E15A75F1A1CA}"/>
               </a:ext>
             </a:extLst>
           </p:cNvPr>
@@ -6497,243 +6748,20 @@
               </a:ext>
             </a:extLst>
           </a:blip>
-          <a:stretch>
-            <a:fillRect/>
-          </a:stretch>
+          <a:srcRect/>
+          <a:stretch/>
         </p:blipFill>
         <p:spPr>
           <a:xfrm>
-            <a:off x="2245895" y="1676400"/>
-            <a:ext cx="7082003" cy="4721336"/>
+            <a:off x="251738" y="905522"/>
+            <a:ext cx="11688523" cy="5749490"/>
           </a:xfrm>
         </p:spPr>
       </p:pic>
     </p:spTree>
     <p:extLst>
       <p:ext uri="{BB962C8B-B14F-4D97-AF65-F5344CB8AC3E}">
-        <p14:creationId xmlns:p14="http://schemas.microsoft.com/office/powerpoint/2010/main" val="975606160"/>
-      </p:ext>
-    </p:extLst>
-  </p:cSld>
-  <p:clrMapOvr>
-    <a:masterClrMapping/>
-  </p:clrMapOvr>
-</p:sld>
-</file>
-
-<file path=ppt/slides/slide7.xml><?xml version="1.0" encoding="utf-8"?>
-<p:sld xmlns:a="http://schemas.openxmlformats.org/drawingml/2006/main" xmlns:r="http://schemas.openxmlformats.org/officeDocument/2006/relationships" xmlns:p="http://schemas.openxmlformats.org/presentationml/2006/main">
-  <p:cSld>
-    <p:spTree>
-      <p:nvGrpSpPr>
-        <p:cNvPr id="1" name=""/>
-        <p:cNvGrpSpPr/>
-        <p:nvPr/>
-      </p:nvGrpSpPr>
-      <p:grpSpPr>
-        <a:xfrm>
-          <a:off x="0" y="0"/>
-          <a:ext cx="0" cy="0"/>
-          <a:chOff x="0" y="0"/>
-          <a:chExt cx="0" cy="0"/>
-        </a:xfrm>
-      </p:grpSpPr>
-      <p:sp>
-        <p:nvSpPr>
-          <p:cNvPr id="2" name="Заголовок 1">
-            <a:extLst>
-              <a:ext uri="{FF2B5EF4-FFF2-40B4-BE49-F238E27FC236}">
-                <a16:creationId xmlns:a16="http://schemas.microsoft.com/office/drawing/2014/main" id="{7D7173E1-5FA3-4794-8B1E-BBDED365BA35}"/>
-              </a:ext>
-            </a:extLst>
-          </p:cNvPr>
-          <p:cNvSpPr>
-            <a:spLocks noGrp="1"/>
-          </p:cNvSpPr>
-          <p:nvPr>
-            <p:ph type="title"/>
-          </p:nvPr>
-        </p:nvSpPr>
-        <p:spPr>
-          <a:xfrm>
-            <a:off x="243055" y="296779"/>
-            <a:ext cx="10649534" cy="1283368"/>
-          </a:xfrm>
-        </p:spPr>
-        <p:txBody>
-          <a:bodyPr/>
-          <a:lstStyle/>
-          <a:p>
-            <a:r>
-              <a:rPr lang="hy-AM" b="1" dirty="0">
-                <a:solidFill>
-                  <a:schemeClr val="accent4">
-                    <a:lumMod val="75000"/>
-                  </a:schemeClr>
-                </a:solidFill>
-              </a:rPr>
-              <a:t>Համեմատման ՕՊԵՐԱՏՈՐՆԵՐ</a:t>
-            </a:r>
-            <a:endParaRPr lang="en-US" b="1" dirty="0">
-              <a:solidFill>
-                <a:schemeClr val="accent4">
-                  <a:lumMod val="75000"/>
-                </a:schemeClr>
-              </a:solidFill>
-            </a:endParaRPr>
-          </a:p>
-        </p:txBody>
-      </p:sp>
-      <p:pic>
-        <p:nvPicPr>
-          <p:cNvPr id="7" name="Объект 6">
-            <a:extLst>
-              <a:ext uri="{FF2B5EF4-FFF2-40B4-BE49-F238E27FC236}">
-                <a16:creationId xmlns:a16="http://schemas.microsoft.com/office/drawing/2014/main" id="{BC77D8E8-E76C-4C0F-8E83-F53727C45F51}"/>
-              </a:ext>
-            </a:extLst>
-          </p:cNvPr>
-          <p:cNvPicPr>
-            <a:picLocks noGrp="1" noChangeAspect="1"/>
-          </p:cNvPicPr>
-          <p:nvPr>
-            <p:ph idx="1"/>
-          </p:nvPr>
-        </p:nvPicPr>
-        <p:blipFill>
-          <a:blip r:embed="rId2">
-            <a:extLst>
-              <a:ext uri="{28A0092B-C50C-407E-A947-70E740481C1C}">
-                <a14:useLocalDpi xmlns:a14="http://schemas.microsoft.com/office/drawing/2010/main" val="0"/>
-              </a:ext>
-            </a:extLst>
-          </a:blip>
-          <a:stretch>
-            <a:fillRect/>
-          </a:stretch>
-        </p:blipFill>
-        <p:spPr>
-          <a:xfrm>
-            <a:off x="2344571" y="1580147"/>
-            <a:ext cx="7097426" cy="4981074"/>
-          </a:xfrm>
-        </p:spPr>
-      </p:pic>
-    </p:spTree>
-    <p:extLst>
-      <p:ext uri="{BB962C8B-B14F-4D97-AF65-F5344CB8AC3E}">
-        <p14:creationId xmlns:p14="http://schemas.microsoft.com/office/powerpoint/2010/main" val="2098755106"/>
-      </p:ext>
-    </p:extLst>
-  </p:cSld>
-  <p:clrMapOvr>
-    <a:masterClrMapping/>
-  </p:clrMapOvr>
-</p:sld>
-</file>
-
-<file path=ppt/slides/slide8.xml><?xml version="1.0" encoding="utf-8"?>
-<p:sld xmlns:a="http://schemas.openxmlformats.org/drawingml/2006/main" xmlns:r="http://schemas.openxmlformats.org/officeDocument/2006/relationships" xmlns:p="http://schemas.openxmlformats.org/presentationml/2006/main">
-  <p:cSld>
-    <p:spTree>
-      <p:nvGrpSpPr>
-        <p:cNvPr id="1" name=""/>
-        <p:cNvGrpSpPr/>
-        <p:nvPr/>
-      </p:nvGrpSpPr>
-      <p:grpSpPr>
-        <a:xfrm>
-          <a:off x="0" y="0"/>
-          <a:ext cx="0" cy="0"/>
-          <a:chOff x="0" y="0"/>
-          <a:chExt cx="0" cy="0"/>
-        </a:xfrm>
-      </p:grpSpPr>
-      <p:sp>
-        <p:nvSpPr>
-          <p:cNvPr id="2" name="Заголовок 1">
-            <a:extLst>
-              <a:ext uri="{FF2B5EF4-FFF2-40B4-BE49-F238E27FC236}">
-                <a16:creationId xmlns:a16="http://schemas.microsoft.com/office/drawing/2014/main" id="{7D7173E1-5FA3-4794-8B1E-BBDED365BA35}"/>
-              </a:ext>
-            </a:extLst>
-          </p:cNvPr>
-          <p:cNvSpPr>
-            <a:spLocks noGrp="1"/>
-          </p:cNvSpPr>
-          <p:nvPr>
-            <p:ph type="title"/>
-          </p:nvPr>
-        </p:nvSpPr>
-        <p:spPr>
-          <a:xfrm>
-            <a:off x="243055" y="296779"/>
-            <a:ext cx="10649534" cy="1283368"/>
-          </a:xfrm>
-        </p:spPr>
-        <p:txBody>
-          <a:bodyPr/>
-          <a:lstStyle/>
-          <a:p>
-            <a:r>
-              <a:rPr lang="hy-AM" b="1" dirty="0">
-                <a:solidFill>
-                  <a:schemeClr val="accent4">
-                    <a:lumMod val="75000"/>
-                  </a:schemeClr>
-                </a:solidFill>
-              </a:rPr>
-              <a:t>Տրամաբանական ՕՊԵՐԱՏՈՐՆԵՐ</a:t>
-            </a:r>
-            <a:endParaRPr lang="en-US" b="1" dirty="0">
-              <a:solidFill>
-                <a:schemeClr val="accent4">
-                  <a:lumMod val="75000"/>
-                </a:schemeClr>
-              </a:solidFill>
-            </a:endParaRPr>
-          </a:p>
-        </p:txBody>
-      </p:sp>
-      <p:pic>
-        <p:nvPicPr>
-          <p:cNvPr id="6" name="Объект 5">
-            <a:extLst>
-              <a:ext uri="{FF2B5EF4-FFF2-40B4-BE49-F238E27FC236}">
-                <a16:creationId xmlns:a16="http://schemas.microsoft.com/office/drawing/2014/main" id="{F52D79D4-CB11-4C4B-8F43-EAC64B8A4AC0}"/>
-              </a:ext>
-            </a:extLst>
-          </p:cNvPr>
-          <p:cNvPicPr>
-            <a:picLocks noGrp="1" noChangeAspect="1"/>
-          </p:cNvPicPr>
-          <p:nvPr>
-            <p:ph idx="1"/>
-          </p:nvPr>
-        </p:nvPicPr>
-        <p:blipFill>
-          <a:blip r:embed="rId2">
-            <a:extLst>
-              <a:ext uri="{28A0092B-C50C-407E-A947-70E740481C1C}">
-                <a14:useLocalDpi xmlns:a14="http://schemas.microsoft.com/office/drawing/2010/main" val="0"/>
-              </a:ext>
-            </a:extLst>
-          </a:blip>
-          <a:stretch>
-            <a:fillRect/>
-          </a:stretch>
-        </p:blipFill>
-        <p:spPr>
-          <a:xfrm>
-            <a:off x="1443789" y="1432221"/>
-            <a:ext cx="8528453" cy="5129000"/>
-          </a:xfrm>
-        </p:spPr>
-      </p:pic>
-    </p:spTree>
-    <p:extLst>
-      <p:ext uri="{BB962C8B-B14F-4D97-AF65-F5344CB8AC3E}">
-        <p14:creationId xmlns:p14="http://schemas.microsoft.com/office/powerpoint/2010/main" val="84463820"/>
+        <p14:creationId xmlns:p14="http://schemas.microsoft.com/office/powerpoint/2010/main" val="1482111181"/>
       </p:ext>
     </p:extLst>
   </p:cSld>
@@ -6997,4 +7025,299 @@
     </a:ext>
   </a:extLst>
 </a:theme>
+</file>
+
+<file path=ppt/theme/theme2.xml><?xml version="1.0" encoding="utf-8"?>
+<a:theme xmlns:a="http://schemas.openxmlformats.org/drawingml/2006/main" name="Тема Office">
+  <a:themeElements>
+    <a:clrScheme name="Стандартная">
+      <a:dk1>
+        <a:sysClr val="windowText" lastClr="000000"/>
+      </a:dk1>
+      <a:lt1>
+        <a:sysClr val="window" lastClr="FFFFFF"/>
+      </a:lt1>
+      <a:dk2>
+        <a:srgbClr val="44546A"/>
+      </a:dk2>
+      <a:lt2>
+        <a:srgbClr val="E7E6E6"/>
+      </a:lt2>
+      <a:accent1>
+        <a:srgbClr val="4472C4"/>
+      </a:accent1>
+      <a:accent2>
+        <a:srgbClr val="ED7D31"/>
+      </a:accent2>
+      <a:accent3>
+        <a:srgbClr val="A5A5A5"/>
+      </a:accent3>
+      <a:accent4>
+        <a:srgbClr val="FFC000"/>
+      </a:accent4>
+      <a:accent5>
+        <a:srgbClr val="5B9BD5"/>
+      </a:accent5>
+      <a:accent6>
+        <a:srgbClr val="70AD47"/>
+      </a:accent6>
+      <a:hlink>
+        <a:srgbClr val="0563C1"/>
+      </a:hlink>
+      <a:folHlink>
+        <a:srgbClr val="954F72"/>
+      </a:folHlink>
+    </a:clrScheme>
+    <a:fontScheme name="Стандартная">
+      <a:majorFont>
+        <a:latin typeface="Calibri Light" panose="020F0302020204030204"/>
+        <a:ea typeface=""/>
+        <a:cs typeface=""/>
+        <a:font script="Jpan" typeface="游ゴシック Light"/>
+        <a:font script="Hang" typeface="맑은 고딕"/>
+        <a:font script="Hans" typeface="等线 Light"/>
+        <a:font script="Hant" typeface="新細明體"/>
+        <a:font script="Arab" typeface="Times New Roman"/>
+        <a:font script="Hebr" typeface="Times New Roman"/>
+        <a:font script="Thai" typeface="Angsana New"/>
+        <a:font script="Ethi" typeface="Nyala"/>
+        <a:font script="Beng" typeface="Vrinda"/>
+        <a:font script="Gujr" typeface="Shruti"/>
+        <a:font script="Khmr" typeface="MoolBoran"/>
+        <a:font script="Knda" typeface="Tunga"/>
+        <a:font script="Guru" typeface="Raavi"/>
+        <a:font script="Cans" typeface="Euphemia"/>
+        <a:font script="Cher" typeface="Plantagenet Cherokee"/>
+        <a:font script="Yiii" typeface="Microsoft Yi Baiti"/>
+        <a:font script="Tibt" typeface="Microsoft Himalaya"/>
+        <a:font script="Thaa" typeface="MV Boli"/>
+        <a:font script="Deva" typeface="Mangal"/>
+        <a:font script="Telu" typeface="Gautami"/>
+        <a:font script="Taml" typeface="Latha"/>
+        <a:font script="Syrc" typeface="Estrangelo Edessa"/>
+        <a:font script="Orya" typeface="Kalinga"/>
+        <a:font script="Mlym" typeface="Kartika"/>
+        <a:font script="Laoo" typeface="DokChampa"/>
+        <a:font script="Sinh" typeface="Iskoola Pota"/>
+        <a:font script="Mong" typeface="Mongolian Baiti"/>
+        <a:font script="Viet" typeface="Times New Roman"/>
+        <a:font script="Uigh" typeface="Microsoft Uighur"/>
+        <a:font script="Geor" typeface="Sylfaen"/>
+        <a:font script="Armn" typeface="Arial"/>
+        <a:font script="Bugi" typeface="Leelawadee UI"/>
+        <a:font script="Bopo" typeface="Microsoft JhengHei"/>
+        <a:font script="Java" typeface="Javanese Text"/>
+        <a:font script="Lisu" typeface="Segoe UI"/>
+        <a:font script="Mymr" typeface="Myanmar Text"/>
+        <a:font script="Nkoo" typeface="Ebrima"/>
+        <a:font script="Olck" typeface="Nirmala UI"/>
+        <a:font script="Osma" typeface="Ebrima"/>
+        <a:font script="Phag" typeface="Phagspa"/>
+        <a:font script="Syrn" typeface="Estrangelo Edessa"/>
+        <a:font script="Syrj" typeface="Estrangelo Edessa"/>
+        <a:font script="Syre" typeface="Estrangelo Edessa"/>
+        <a:font script="Sora" typeface="Nirmala UI"/>
+        <a:font script="Tale" typeface="Microsoft Tai Le"/>
+        <a:font script="Talu" typeface="Microsoft New Tai Lue"/>
+        <a:font script="Tfng" typeface="Ebrima"/>
+      </a:majorFont>
+      <a:minorFont>
+        <a:latin typeface="Calibri" panose="020F0502020204030204"/>
+        <a:ea typeface=""/>
+        <a:cs typeface=""/>
+        <a:font script="Jpan" typeface="游ゴシック"/>
+        <a:font script="Hang" typeface="맑은 고딕"/>
+        <a:font script="Hans" typeface="等线"/>
+        <a:font script="Hant" typeface="新細明體"/>
+        <a:font script="Arab" typeface="Arial"/>
+        <a:font script="Hebr" typeface="Arial"/>
+        <a:font script="Thai" typeface="Cordia New"/>
+        <a:font script="Ethi" typeface="Nyala"/>
+        <a:font script="Beng" typeface="Vrinda"/>
+        <a:font script="Gujr" typeface="Shruti"/>
+        <a:font script="Khmr" typeface="DaunPenh"/>
+        <a:font script="Knda" typeface="Tunga"/>
+        <a:font script="Guru" typeface="Raavi"/>
+        <a:font script="Cans" typeface="Euphemia"/>
+        <a:font script="Cher" typeface="Plantagenet Cherokee"/>
+        <a:font script="Yiii" typeface="Microsoft Yi Baiti"/>
+        <a:font script="Tibt" typeface="Microsoft Himalaya"/>
+        <a:font script="Thaa" typeface="MV Boli"/>
+        <a:font script="Deva" typeface="Mangal"/>
+        <a:font script="Telu" typeface="Gautami"/>
+        <a:font script="Taml" typeface="Latha"/>
+        <a:font script="Syrc" typeface="Estrangelo Edessa"/>
+        <a:font script="Orya" typeface="Kalinga"/>
+        <a:font script="Mlym" typeface="Kartika"/>
+        <a:font script="Laoo" typeface="DokChampa"/>
+        <a:font script="Sinh" typeface="Iskoola Pota"/>
+        <a:font script="Mong" typeface="Mongolian Baiti"/>
+        <a:font script="Viet" typeface="Arial"/>
+        <a:font script="Uigh" typeface="Microsoft Uighur"/>
+        <a:font script="Geor" typeface="Sylfaen"/>
+        <a:font script="Armn" typeface="Arial"/>
+        <a:font script="Bugi" typeface="Leelawadee UI"/>
+        <a:font script="Bopo" typeface="Microsoft JhengHei"/>
+        <a:font script="Java" typeface="Javanese Text"/>
+        <a:font script="Lisu" typeface="Segoe UI"/>
+        <a:font script="Mymr" typeface="Myanmar Text"/>
+        <a:font script="Nkoo" typeface="Ebrima"/>
+        <a:font script="Olck" typeface="Nirmala UI"/>
+        <a:font script="Osma" typeface="Ebrima"/>
+        <a:font script="Phag" typeface="Phagspa"/>
+        <a:font script="Syrn" typeface="Estrangelo Edessa"/>
+        <a:font script="Syrj" typeface="Estrangelo Edessa"/>
+        <a:font script="Syre" typeface="Estrangelo Edessa"/>
+        <a:font script="Sora" typeface="Nirmala UI"/>
+        <a:font script="Tale" typeface="Microsoft Tai Le"/>
+        <a:font script="Talu" typeface="Microsoft New Tai Lue"/>
+        <a:font script="Tfng" typeface="Ebrima"/>
+      </a:minorFont>
+    </a:fontScheme>
+    <a:fmtScheme name="Стандартная">
+      <a:fillStyleLst>
+        <a:solidFill>
+          <a:schemeClr val="phClr"/>
+        </a:solidFill>
+        <a:gradFill rotWithShape="1">
+          <a:gsLst>
+            <a:gs pos="0">
+              <a:schemeClr val="phClr">
+                <a:lumMod val="110000"/>
+                <a:satMod val="105000"/>
+                <a:tint val="67000"/>
+              </a:schemeClr>
+            </a:gs>
+            <a:gs pos="50000">
+              <a:schemeClr val="phClr">
+                <a:lumMod val="105000"/>
+                <a:satMod val="103000"/>
+                <a:tint val="73000"/>
+              </a:schemeClr>
+            </a:gs>
+            <a:gs pos="100000">
+              <a:schemeClr val="phClr">
+                <a:lumMod val="105000"/>
+                <a:satMod val="109000"/>
+                <a:tint val="81000"/>
+              </a:schemeClr>
+            </a:gs>
+          </a:gsLst>
+          <a:lin ang="5400000" scaled="0"/>
+        </a:gradFill>
+        <a:gradFill rotWithShape="1">
+          <a:gsLst>
+            <a:gs pos="0">
+              <a:schemeClr val="phClr">
+                <a:satMod val="103000"/>
+                <a:lumMod val="102000"/>
+                <a:tint val="94000"/>
+              </a:schemeClr>
+            </a:gs>
+            <a:gs pos="50000">
+              <a:schemeClr val="phClr">
+                <a:satMod val="110000"/>
+                <a:lumMod val="100000"/>
+                <a:shade val="100000"/>
+              </a:schemeClr>
+            </a:gs>
+            <a:gs pos="100000">
+              <a:schemeClr val="phClr">
+                <a:lumMod val="99000"/>
+                <a:satMod val="120000"/>
+                <a:shade val="78000"/>
+              </a:schemeClr>
+            </a:gs>
+          </a:gsLst>
+          <a:lin ang="5400000" scaled="0"/>
+        </a:gradFill>
+      </a:fillStyleLst>
+      <a:lnStyleLst>
+        <a:ln w="6350" cap="flat" cmpd="sng" algn="ctr">
+          <a:solidFill>
+            <a:schemeClr val="phClr"/>
+          </a:solidFill>
+          <a:prstDash val="solid"/>
+          <a:miter lim="800000"/>
+        </a:ln>
+        <a:ln w="12700" cap="flat" cmpd="sng" algn="ctr">
+          <a:solidFill>
+            <a:schemeClr val="phClr"/>
+          </a:solidFill>
+          <a:prstDash val="solid"/>
+          <a:miter lim="800000"/>
+        </a:ln>
+        <a:ln w="19050" cap="flat" cmpd="sng" algn="ctr">
+          <a:solidFill>
+            <a:schemeClr val="phClr"/>
+          </a:solidFill>
+          <a:prstDash val="solid"/>
+          <a:miter lim="800000"/>
+        </a:ln>
+      </a:lnStyleLst>
+      <a:effectStyleLst>
+        <a:effectStyle>
+          <a:effectLst/>
+        </a:effectStyle>
+        <a:effectStyle>
+          <a:effectLst/>
+        </a:effectStyle>
+        <a:effectStyle>
+          <a:effectLst>
+            <a:outerShdw blurRad="57150" dist="19050" dir="5400000" algn="ctr" rotWithShape="0">
+              <a:srgbClr val="000000">
+                <a:alpha val="63000"/>
+              </a:srgbClr>
+            </a:outerShdw>
+          </a:effectLst>
+        </a:effectStyle>
+      </a:effectStyleLst>
+      <a:bgFillStyleLst>
+        <a:solidFill>
+          <a:schemeClr val="phClr"/>
+        </a:solidFill>
+        <a:solidFill>
+          <a:schemeClr val="phClr">
+            <a:tint val="95000"/>
+            <a:satMod val="170000"/>
+          </a:schemeClr>
+        </a:solidFill>
+        <a:gradFill rotWithShape="1">
+          <a:gsLst>
+            <a:gs pos="0">
+              <a:schemeClr val="phClr">
+                <a:tint val="93000"/>
+                <a:satMod val="150000"/>
+                <a:shade val="98000"/>
+                <a:lumMod val="102000"/>
+              </a:schemeClr>
+            </a:gs>
+            <a:gs pos="50000">
+              <a:schemeClr val="phClr">
+                <a:tint val="98000"/>
+                <a:satMod val="130000"/>
+                <a:shade val="90000"/>
+                <a:lumMod val="103000"/>
+              </a:schemeClr>
+            </a:gs>
+            <a:gs pos="100000">
+              <a:schemeClr val="phClr">
+                <a:shade val="63000"/>
+                <a:satMod val="120000"/>
+              </a:schemeClr>
+            </a:gs>
+          </a:gsLst>
+          <a:lin ang="5400000" scaled="0"/>
+        </a:gradFill>
+      </a:bgFillStyleLst>
+    </a:fmtScheme>
+  </a:themeElements>
+  <a:objectDefaults/>
+  <a:extraClrSchemeLst/>
+  <a:extLst>
+    <a:ext uri="{05A4C25C-085E-4340-85A3-A5531E510DB2}">
+      <thm15:themeFamily xmlns:thm15="http://schemas.microsoft.com/office/thememl/2012/main" name="Office Theme" id="{62F939B6-93AF-4DB8-9C6B-D6C7DFDC589F}" vid="{4A3C46E8-61CC-4603-A589-7422A47A8E4A}"/>
+    </a:ext>
+  </a:extLst>
+</a:theme>
 </file>